--- a/Later/Regex/32/Java Regex_username.pptx
+++ b/Later/Regex/32/Java Regex_username.pptx
@@ -3771,55 +3771,7 @@
                   <a:srgbClr val="002060"/>
                 </a:solidFill>
               </a:rPr>
-              <a:t>^[</a:t>
-            </a:r>
-            <a:r>
-              <a:rPr lang="en-US" sz="2400" b="1" dirty="0">
-                <a:solidFill>
-                  <a:srgbClr val="002060"/>
-                </a:solidFill>
-              </a:rPr>
-              <a:t>a</a:t>
-            </a:r>
-            <a:r>
-              <a:rPr lang="en-US" sz="2400" b="1" dirty="0">
-                <a:solidFill>
-                  <a:srgbClr val="002060"/>
-                </a:solidFill>
-              </a:rPr>
-              <a:t>-</a:t>
-            </a:r>
-            <a:r>
-              <a:rPr lang="en-US" sz="2400" b="1" dirty="0">
-                <a:solidFill>
-                  <a:srgbClr val="002060"/>
-                </a:solidFill>
-              </a:rPr>
-              <a:t>z0</a:t>
-            </a:r>
-            <a:r>
-              <a:rPr lang="en-US" sz="2400" b="1" dirty="0">
-                <a:solidFill>
-                  <a:srgbClr val="002060"/>
-                </a:solidFill>
-              </a:rPr>
-              <a:t>-</a:t>
-            </a:r>
-            <a:r>
-              <a:rPr lang="en-US" sz="2400" b="1" dirty="0">
-                <a:solidFill>
-                  <a:srgbClr val="002060"/>
-                </a:solidFill>
-              </a:rPr>
-              <a:t>9_</a:t>
-            </a:r>
-            <a:r>
-              <a:rPr lang="en-US" sz="2400" b="1" dirty="0">
-                <a:solidFill>
-                  <a:srgbClr val="002060"/>
-                </a:solidFill>
-              </a:rPr>
-              <a:t>-]{3,15</a:t>
+              <a:t>^[a-z0-9_-]{3,15</a:t>
             </a:r>
             <a:r>
               <a:rPr lang="en-US" sz="2400" b="1" dirty="0" smtClean="0">
@@ -3840,7 +3792,15 @@
                   <a:srgbClr val="C00000"/>
                 </a:solidFill>
               </a:rPr>
-              <a:t>^</a:t>
+              <a:t>^ </a:t>
+            </a:r>
+            <a:r>
+              <a:rPr lang="en-US" sz="1200" dirty="0" smtClean="0">
+                <a:solidFill>
+                  <a:srgbClr val="C00000"/>
+                </a:solidFill>
+              </a:rPr>
+              <a:t>                   =      Start </a:t>
             </a:r>
             <a:r>
               <a:rPr lang="en-US" sz="1200" dirty="0">
@@ -3848,25 +3808,13 @@
                   <a:srgbClr val="C00000"/>
                 </a:solidFill>
               </a:rPr>
-              <a:t> </a:t>
-            </a:r>
-            <a:r>
-              <a:rPr lang="en-US" sz="1200" dirty="0" smtClean="0">
-                <a:solidFill>
-                  <a:srgbClr val="C00000"/>
-                </a:solidFill>
-              </a:rPr>
-              <a:t> </a:t>
-            </a:r>
-            <a:r>
-              <a:rPr lang="en-US" sz="1200" dirty="0" smtClean="0"/>
-              <a:t>                  =      Start </a:t>
-            </a:r>
-            <a:r>
-              <a:rPr lang="en-US" sz="1200" dirty="0"/>
               <a:t>of the line </a:t>
             </a:r>
-            <a:endParaRPr lang="en-US" sz="1200" dirty="0" smtClean="0"/>
+            <a:endParaRPr lang="en-US" sz="1200" dirty="0" smtClean="0">
+              <a:solidFill>
+                <a:srgbClr val="C00000"/>
+              </a:solidFill>
+            </a:endParaRPr>
           </a:p>
           <a:p>
             <a:r>
@@ -3883,7 +3831,15 @@
                   <a:srgbClr val="C00000"/>
                 </a:solidFill>
               </a:rPr>
-              <a:t>a</a:t>
+              <a:t>a-z0-9_-] </a:t>
+            </a:r>
+            <a:r>
+              <a:rPr lang="en-US" sz="1200" dirty="0" smtClean="0">
+                <a:solidFill>
+                  <a:srgbClr val="C00000"/>
+                </a:solidFill>
+              </a:rPr>
+              <a:t>    =      Match </a:t>
             </a:r>
             <a:r>
               <a:rPr lang="en-US" sz="1200" dirty="0">
@@ -3891,93 +3847,13 @@
                   <a:srgbClr val="C00000"/>
                 </a:solidFill>
               </a:rPr>
-              <a:t>-</a:t>
-            </a:r>
-            <a:r>
-              <a:rPr lang="en-US" sz="1200" dirty="0">
-                <a:solidFill>
-                  <a:srgbClr val="C00000"/>
-                </a:solidFill>
-              </a:rPr>
-              <a:t>z0</a:t>
-            </a:r>
-            <a:r>
-              <a:rPr lang="en-US" sz="1200" dirty="0">
-                <a:solidFill>
-                  <a:srgbClr val="C00000"/>
-                </a:solidFill>
-              </a:rPr>
-              <a:t>-</a:t>
-            </a:r>
-            <a:r>
-              <a:rPr lang="en-US" sz="1200" dirty="0">
-                <a:solidFill>
-                  <a:srgbClr val="C00000"/>
-                </a:solidFill>
-              </a:rPr>
-              <a:t>9_</a:t>
-            </a:r>
-            <a:r>
-              <a:rPr lang="en-US" sz="1200" dirty="0">
-                <a:solidFill>
-                  <a:srgbClr val="C00000"/>
-                </a:solidFill>
-              </a:rPr>
-              <a:t>-]</a:t>
-            </a:r>
-            <a:r>
-              <a:rPr lang="en-US" sz="1200" dirty="0"/>
-              <a:t> </a:t>
-            </a:r>
-            <a:r>
-              <a:rPr lang="en-US" sz="1200" dirty="0" smtClean="0"/>
-              <a:t>    =      Match </a:t>
-            </a:r>
-            <a:r>
-              <a:rPr lang="en-US" sz="1200" dirty="0"/>
-              <a:t>characters and symbols in the list</a:t>
-            </a:r>
-            <a:r>
-              <a:rPr lang="en-US" sz="1200" dirty="0"/>
-              <a:t>,</a:t>
-            </a:r>
-            <a:r>
-              <a:rPr lang="en-US" sz="1200" dirty="0"/>
-              <a:t> a</a:t>
-            </a:r>
-            <a:r>
-              <a:rPr lang="en-US" sz="1200" dirty="0"/>
-              <a:t>-</a:t>
-            </a:r>
-            <a:r>
-              <a:rPr lang="en-US" sz="1200" dirty="0"/>
-              <a:t>z</a:t>
-            </a:r>
-            <a:r>
-              <a:rPr lang="en-US" sz="1200" dirty="0"/>
-              <a:t>,</a:t>
-            </a:r>
-            <a:r>
-              <a:rPr lang="en-US" sz="1200" dirty="0"/>
-              <a:t> </a:t>
-            </a:r>
-            <a:r>
-              <a:rPr lang="en-US" sz="1200" dirty="0"/>
-              <a:t>0-9,</a:t>
-            </a:r>
-            <a:r>
-              <a:rPr lang="en-US" sz="1200" dirty="0"/>
-              <a:t> underscore</a:t>
-            </a:r>
-            <a:r>
-              <a:rPr lang="en-US" sz="1200" dirty="0"/>
-              <a:t>,</a:t>
-            </a:r>
-            <a:r>
-              <a:rPr lang="en-US" sz="1200" dirty="0"/>
-              <a:t> hyphen </a:t>
-            </a:r>
-            <a:endParaRPr lang="en-US" sz="1200" dirty="0" smtClean="0"/>
+              <a:t>characters and symbols in the list, a-z, 0-9, underscore, hyphen </a:t>
+            </a:r>
+            <a:endParaRPr lang="en-US" sz="1200" dirty="0" smtClean="0">
+              <a:solidFill>
+                <a:srgbClr val="C00000"/>
+              </a:solidFill>
+            </a:endParaRPr>
           </a:p>
           <a:p>
             <a:r>
@@ -3994,7 +3870,15 @@
                   <a:srgbClr val="C00000"/>
                 </a:solidFill>
               </a:rPr>
-              <a:t>3,15}</a:t>
+              <a:t>3,15} </a:t>
+            </a:r>
+            <a:r>
+              <a:rPr lang="en-US" sz="1200" dirty="0" smtClean="0">
+                <a:solidFill>
+                  <a:srgbClr val="C00000"/>
+                </a:solidFill>
+              </a:rPr>
+              <a:t>           =      Length </a:t>
             </a:r>
             <a:r>
               <a:rPr lang="en-US" sz="1200" dirty="0">
@@ -4002,33 +3886,13 @@
                   <a:srgbClr val="C00000"/>
                 </a:solidFill>
               </a:rPr>
-              <a:t> </a:t>
-            </a:r>
-            <a:r>
-              <a:rPr lang="en-US" sz="1200" dirty="0" smtClean="0"/>
-              <a:t>           =      Length </a:t>
-            </a:r>
-            <a:r>
-              <a:rPr lang="en-US" sz="1200" dirty="0"/>
-              <a:t>at least </a:t>
-            </a:r>
-            <a:r>
-              <a:rPr lang="en-US" sz="1200" dirty="0"/>
-              <a:t>3</a:t>
-            </a:r>
-            <a:r>
-              <a:rPr lang="en-US" sz="1200" dirty="0"/>
-              <a:t> characters and maximum length of </a:t>
-            </a:r>
-            <a:r>
-              <a:rPr lang="en-US" sz="1200" dirty="0"/>
-              <a:t>15</a:t>
-            </a:r>
-            <a:r>
-              <a:rPr lang="en-US" sz="1200" dirty="0"/>
-              <a:t> </a:t>
-            </a:r>
-            <a:endParaRPr lang="en-US" sz="1200" dirty="0" smtClean="0"/>
+              <a:t>at least 3 characters and maximum length of 15 </a:t>
+            </a:r>
+            <a:endParaRPr lang="en-US" sz="1200" dirty="0" smtClean="0">
+              <a:solidFill>
+                <a:srgbClr val="C00000"/>
+              </a:solidFill>
+            </a:endParaRPr>
           </a:p>
           <a:p>
             <a:r>
@@ -4037,18 +3901,22 @@
                   <a:srgbClr val="C00000"/>
                 </a:solidFill>
               </a:rPr>
-              <a:t>$</a:t>
-            </a:r>
-            <a:r>
-              <a:rPr lang="en-US" sz="1200" dirty="0" smtClean="0"/>
-              <a:t>                    =      End </a:t>
-            </a:r>
-            <a:r>
-              <a:rPr lang="en-US" sz="1200" dirty="0"/>
+              <a:t>$                    =      End </a:t>
+            </a:r>
+            <a:r>
+              <a:rPr lang="en-US" sz="1200" dirty="0">
+                <a:solidFill>
+                  <a:srgbClr val="C00000"/>
+                </a:solidFill>
+              </a:rPr>
               <a:t>of the </a:t>
             </a:r>
             <a:r>
-              <a:rPr lang="en-US" sz="1200" dirty="0" smtClean="0"/>
+              <a:rPr lang="en-US" sz="1200" dirty="0" smtClean="0">
+                <a:solidFill>
+                  <a:srgbClr val="C00000"/>
+                </a:solidFill>
+              </a:rPr>
               <a:t>line</a:t>
             </a:r>
           </a:p>
@@ -4096,7 +3964,6 @@
               <a:rPr lang="en-US" sz="1200" dirty="0"/>
               <a:t>Username Regular Expression Pattern</a:t>
             </a:r>
-            <a:endParaRPr lang="en-US" sz="1200" dirty="0"/>
           </a:p>
         </p:txBody>
       </p:sp>
@@ -4142,7 +4009,6 @@
               <a:rPr lang="en-US" sz="1200" dirty="0"/>
               <a:t>Whole combination is means, 3 to 15 characters with any lower case character, digit or special symbol “_-” only. This is common username pattern that’s widely use in different websites.</a:t>
             </a:r>
-            <a:endParaRPr lang="en-US" sz="1200" dirty="0"/>
           </a:p>
         </p:txBody>
       </p:sp>
